--- a/DB_overview_박준홍.pptx
+++ b/DB_overview_박준홍.pptx
@@ -3403,7 +3403,6 @@
               <a:rPr lang="en-US" altLang="ko-KR" dirty="0" smtClean="0"/>
               <a:t>SQ_STOCK_NO</a:t>
             </a:r>
-            <a:endParaRPr lang="en-US" altLang="ko-KR" dirty="0" smtClean="0"/>
           </a:p>
           <a:p>
             <a:r>
@@ -3545,6 +3544,68 @@
               <a:rPr lang="en-US" altLang="ko-KR" sz="800" dirty="0" smtClean="0"/>
               <a:t>image            VARCHAR2(100)       </a:t>
             </a:r>
+          </a:p>
+        </p:txBody>
+      </p:sp>
+      <p:sp>
+        <p:nvSpPr>
+          <p:cNvPr id="3" name="직사각형 2"/>
+          <p:cNvSpPr/>
+          <p:nvPr/>
+        </p:nvSpPr>
+        <p:spPr>
+          <a:xfrm>
+            <a:off x="8121352" y="2636912"/>
+            <a:ext cx="2085352" cy="216024"/>
+          </a:xfrm>
+          <a:prstGeom prst="rect">
+            <a:avLst/>
+          </a:prstGeom>
+          <a:solidFill>
+            <a:schemeClr val="bg1"/>
+          </a:solidFill>
+        </p:spPr>
+        <p:style>
+          <a:lnRef idx="2">
+            <a:schemeClr val="accent1">
+              <a:shade val="50000"/>
+            </a:schemeClr>
+          </a:lnRef>
+          <a:fillRef idx="1">
+            <a:schemeClr val="accent1"/>
+          </a:fillRef>
+          <a:effectRef idx="0">
+            <a:schemeClr val="accent1"/>
+          </a:effectRef>
+          <a:fontRef idx="minor">
+            <a:schemeClr val="lt1"/>
+          </a:fontRef>
+        </p:style>
+        <p:txBody>
+          <a:bodyPr rtlCol="0" anchor="ctr"/>
+          <a:lstStyle/>
+          <a:p>
+            <a:r>
+              <a:rPr lang="ko-KR" altLang="en-US" sz="1000" b="1" dirty="0">
+                <a:solidFill>
+                  <a:schemeClr val="tx1"/>
+                </a:solidFill>
+              </a:rPr>
+              <a:t>●</a:t>
+            </a:r>
+            <a:r>
+              <a:rPr lang="en-US" altLang="ko-KR" sz="1000" b="1" dirty="0" smtClean="0">
+                <a:solidFill>
+                  <a:schemeClr val="tx1"/>
+                </a:solidFill>
+              </a:rPr>
+              <a:t>ADD_DATE             DATE      </a:t>
+            </a:r>
+            <a:endParaRPr lang="ko-KR" altLang="en-US" sz="1000" b="1" dirty="0">
+              <a:solidFill>
+                <a:schemeClr val="tx1"/>
+              </a:solidFill>
+            </a:endParaRPr>
           </a:p>
         </p:txBody>
       </p:sp>
